--- a/web_viewer/trunk/documents/Автоматизированная система отслеживания заказов.pptx
+++ b/web_viewer/trunk/documents/Автоматизированная система отслеживания заказов.pptx
@@ -112,6 +112,22 @@
       </a:defRPr>
     </a:lvl9pPr>
   </p:defaultTextStyle>
+  <p:extLst>
+    <p:ext uri="{EFAFB233-063F-42B5-8137-9DF3F51BA10A}">
+      <p15:sldGuideLst xmlns:p15="http://schemas.microsoft.com/office/powerpoint/2012/main">
+        <p15:guide id="1" orient="horz" pos="2160">
+          <p15:clr>
+            <a:srgbClr val="A4A3A4"/>
+          </p15:clr>
+        </p15:guide>
+        <p15:guide id="2" pos="2880">
+          <p15:clr>
+            <a:srgbClr val="A4A3A4"/>
+          </p15:clr>
+        </p15:guide>
+      </p15:sldGuideLst>
+    </p:ext>
+  </p:extLst>
 </p:presentation>
 </file>
 
@@ -878,7 +894,19 @@
     </dgm:pt>
     <dgm:pt modelId="{C479ED2C-B91E-4815-9F48-5E6AE7D2FACB}">
       <dgm:prSet custT="1"/>
-      <dgm:spPr/>
+      <dgm:spPr>
+        <a:solidFill>
+          <a:srgbClr val="00549A"/>
+        </a:solidFill>
+        <a:ln>
+          <a:solidFill>
+            <a:schemeClr val="accent1">
+              <a:lumMod val="60000"/>
+              <a:lumOff val="40000"/>
+            </a:schemeClr>
+          </a:solidFill>
+        </a:ln>
+      </dgm:spPr>
       <dgm:t>
         <a:bodyPr/>
         <a:lstStyle/>
@@ -933,6 +961,13 @@
     <dgm:pt modelId="{7790398A-CB0E-4C10-8392-93D2909EBD96}">
       <dgm:prSet/>
       <dgm:spPr/>
+      <dgm:t>
+        <a:bodyPr/>
+        <a:lstStyle/>
+        <a:p>
+          <a:endParaRPr lang="ru-RU"/>
+        </a:p>
+      </dgm:t>
     </dgm:pt>
     <dgm:pt modelId="{991D1F7D-D0B5-4D18-9997-1D9B95A6903D}" type="parTrans" cxnId="{EFA14DE2-5651-4679-BF08-AF13456A3FF8}">
       <dgm:prSet/>
@@ -959,6 +994,13 @@
     <dgm:pt modelId="{E4F52D72-B8C0-4473-B07E-748E171E3A71}">
       <dgm:prSet/>
       <dgm:spPr/>
+      <dgm:t>
+        <a:bodyPr/>
+        <a:lstStyle/>
+        <a:p>
+          <a:endParaRPr lang="ru-RU"/>
+        </a:p>
+      </dgm:t>
     </dgm:pt>
     <dgm:pt modelId="{A4570FD8-7B66-4BDE-BC93-436EF83D35E7}" type="parTrans" cxnId="{2332B7DF-7D50-435E-9748-1D6529A14088}">
       <dgm:prSet/>
@@ -985,6 +1027,13 @@
     <dgm:pt modelId="{87956348-274B-4833-8112-38A1D0D31B27}">
       <dgm:prSet/>
       <dgm:spPr/>
+      <dgm:t>
+        <a:bodyPr/>
+        <a:lstStyle/>
+        <a:p>
+          <a:endParaRPr lang="ru-RU"/>
+        </a:p>
+      </dgm:t>
     </dgm:pt>
     <dgm:pt modelId="{52C0DB4F-9FD9-4C67-B113-A262A8F98047}" type="parTrans" cxnId="{4E314057-DEFE-4B60-A495-5F67390FB748}">
       <dgm:prSet/>
@@ -1011,6 +1060,13 @@
     <dgm:pt modelId="{334CE0F7-F596-4160-8B62-B61AFB53176E}">
       <dgm:prSet/>
       <dgm:spPr/>
+      <dgm:t>
+        <a:bodyPr/>
+        <a:lstStyle/>
+        <a:p>
+          <a:endParaRPr lang="ru-RU"/>
+        </a:p>
+      </dgm:t>
     </dgm:pt>
     <dgm:pt modelId="{27FA91F3-DCB7-41D6-AFDA-73F3B6632271}" type="parTrans" cxnId="{401279F1-05D0-465B-BDB7-0E09638DA7E3}">
       <dgm:prSet/>
@@ -1036,7 +1092,19 @@
     </dgm:pt>
     <dgm:pt modelId="{1059AD2A-A92B-4A82-B2A4-50EEB5D89CA0}">
       <dgm:prSet custT="1"/>
-      <dgm:spPr/>
+      <dgm:spPr>
+        <a:solidFill>
+          <a:srgbClr val="00549A"/>
+        </a:solidFill>
+        <a:ln>
+          <a:solidFill>
+            <a:schemeClr val="accent1">
+              <a:lumMod val="60000"/>
+              <a:lumOff val="40000"/>
+            </a:schemeClr>
+          </a:solidFill>
+        </a:ln>
+      </dgm:spPr>
       <dgm:t>
         <a:bodyPr/>
         <a:lstStyle/>
@@ -1090,14 +1158,26 @@
     </dgm:pt>
     <dgm:pt modelId="{6DD44939-5A97-4391-8EA0-0691B8166634}">
       <dgm:prSet custT="1"/>
-      <dgm:spPr/>
+      <dgm:spPr>
+        <a:solidFill>
+          <a:srgbClr val="00549A"/>
+        </a:solidFill>
+        <a:ln>
+          <a:solidFill>
+            <a:schemeClr val="accent1">
+              <a:lumMod val="60000"/>
+              <a:lumOff val="40000"/>
+            </a:schemeClr>
+          </a:solidFill>
+        </a:ln>
+      </dgm:spPr>
       <dgm:t>
         <a:bodyPr/>
         <a:lstStyle/>
         <a:p>
           <a:pPr rtl="0"/>
           <a:r>
-            <a:rPr lang="ru-RU" sz="1600" smtClean="0">
+            <a:rPr lang="ru-RU" sz="1600" dirty="0" smtClean="0">
               <a:effectLst>
                 <a:outerShdw blurRad="38100" dist="38100" dir="2700000" algn="tl">
                   <a:srgbClr val="000000">
@@ -1109,7 +1189,7 @@
             <a:t>Контроль транспортировки. Информация о плановом и фактическом времени прохождения транспортных узлов, информация о задержках</a:t>
           </a:r>
           <a:r>
-            <a:rPr lang="en-US" sz="1600" smtClean="0">
+            <a:rPr lang="en-US" sz="1600" dirty="0" smtClean="0">
               <a:effectLst>
                 <a:outerShdw blurRad="38100" dist="38100" dir="2700000" algn="tl">
                   <a:srgbClr val="000000">
@@ -1121,7 +1201,7 @@
             <a:t>/</a:t>
           </a:r>
           <a:r>
-            <a:rPr lang="ru-RU" sz="1600" smtClean="0">
+            <a:rPr lang="ru-RU" sz="1600" dirty="0" smtClean="0">
               <a:effectLst>
                 <a:outerShdw blurRad="38100" dist="38100" dir="2700000" algn="tl">
                   <a:srgbClr val="000000">
@@ -1168,7 +1248,19 @@
     </dgm:pt>
     <dgm:pt modelId="{ED896E93-5140-4ED2-A12B-82C924CE9A03}">
       <dgm:prSet custT="1"/>
-      <dgm:spPr/>
+      <dgm:spPr>
+        <a:solidFill>
+          <a:srgbClr val="00549A"/>
+        </a:solidFill>
+        <a:ln>
+          <a:solidFill>
+            <a:schemeClr val="accent1">
+              <a:lumMod val="60000"/>
+              <a:lumOff val="40000"/>
+            </a:schemeClr>
+          </a:solidFill>
+        </a:ln>
+      </dgm:spPr>
       <dgm:t>
         <a:bodyPr/>
         <a:lstStyle/>
@@ -1222,7 +1314,19 @@
     </dgm:pt>
     <dgm:pt modelId="{EFF79703-EF3D-4BA3-AF5B-34DAE483C100}">
       <dgm:prSet custT="1"/>
-      <dgm:spPr/>
+      <dgm:spPr>
+        <a:solidFill>
+          <a:srgbClr val="00549A"/>
+        </a:solidFill>
+        <a:ln>
+          <a:solidFill>
+            <a:schemeClr val="accent1">
+              <a:lumMod val="60000"/>
+              <a:lumOff val="40000"/>
+            </a:schemeClr>
+          </a:solidFill>
+        </a:ln>
+      </dgm:spPr>
       <dgm:t>
         <a:bodyPr/>
         <a:lstStyle/>
@@ -1283,10 +1387,24 @@
         </dgm:presLayoutVars>
       </dgm:prSet>
       <dgm:spPr/>
+      <dgm:t>
+        <a:bodyPr/>
+        <a:lstStyle/>
+        <a:p>
+          <a:endParaRPr lang="ru-RU"/>
+        </a:p>
+      </dgm:t>
     </dgm:pt>
     <dgm:pt modelId="{A3C02618-A356-454C-963B-DA65CD93FE16}" type="pres">
       <dgm:prSet presAssocID="{C479ED2C-B91E-4815-9F48-5E6AE7D2FACB}" presName="roof" presStyleLbl="dkBgShp" presStyleIdx="0" presStyleCnt="2" custLinFactNeighborX="-372" custLinFactNeighborY="-4654"/>
       <dgm:spPr/>
+      <dgm:t>
+        <a:bodyPr/>
+        <a:lstStyle/>
+        <a:p>
+          <a:endParaRPr lang="ru-RU"/>
+        </a:p>
+      </dgm:t>
     </dgm:pt>
     <dgm:pt modelId="{B7F2CD7C-2617-4D29-8E11-4BC75A821867}" type="pres">
       <dgm:prSet presAssocID="{C479ED2C-B91E-4815-9F48-5E6AE7D2FACB}" presName="pillars" presStyleCnt="0"/>
@@ -1299,6 +1417,13 @@
         </dgm:presLayoutVars>
       </dgm:prSet>
       <dgm:spPr/>
+      <dgm:t>
+        <a:bodyPr/>
+        <a:lstStyle/>
+        <a:p>
+          <a:endParaRPr lang="ru-RU"/>
+        </a:p>
+      </dgm:t>
     </dgm:pt>
     <dgm:pt modelId="{E800B9B0-8C2B-4A3B-B7E9-EF54422A6596}" type="pres">
       <dgm:prSet presAssocID="{6DD44939-5A97-4391-8EA0-0691B8166634}" presName="pillarX" presStyleLbl="node1" presStyleIdx="1" presStyleCnt="4">
@@ -1322,6 +1447,13 @@
         </dgm:presLayoutVars>
       </dgm:prSet>
       <dgm:spPr/>
+      <dgm:t>
+        <a:bodyPr/>
+        <a:lstStyle/>
+        <a:p>
+          <a:endParaRPr lang="ru-RU"/>
+        </a:p>
+      </dgm:t>
     </dgm:pt>
     <dgm:pt modelId="{D5A4B8BF-687B-46D5-81EB-CECED95F511F}" type="pres">
       <dgm:prSet presAssocID="{EFF79703-EF3D-4BA3-AF5B-34DAE483C100}" presName="pillarX" presStyleLbl="node1" presStyleIdx="3" presStyleCnt="4">
@@ -1330,28 +1462,54 @@
         </dgm:presLayoutVars>
       </dgm:prSet>
       <dgm:spPr/>
+      <dgm:t>
+        <a:bodyPr/>
+        <a:lstStyle/>
+        <a:p>
+          <a:endParaRPr lang="ru-RU"/>
+        </a:p>
+      </dgm:t>
     </dgm:pt>
     <dgm:pt modelId="{67E4BE28-6D5C-4D39-B3BC-4F4DBA6EB217}" type="pres">
       <dgm:prSet presAssocID="{C479ED2C-B91E-4815-9F48-5E6AE7D2FACB}" presName="base" presStyleLbl="dkBgShp" presStyleIdx="1" presStyleCnt="2"/>
-      <dgm:spPr/>
+      <dgm:spPr>
+        <a:solidFill>
+          <a:srgbClr val="00549A"/>
+        </a:solidFill>
+        <a:ln>
+          <a:solidFill>
+            <a:schemeClr val="accent1">
+              <a:lumMod val="60000"/>
+              <a:lumOff val="40000"/>
+            </a:schemeClr>
+          </a:solidFill>
+        </a:ln>
+      </dgm:spPr>
+      <dgm:t>
+        <a:bodyPr/>
+        <a:lstStyle/>
+        <a:p>
+          <a:endParaRPr lang="ru-RU"/>
+        </a:p>
+      </dgm:t>
     </dgm:pt>
   </dgm:ptLst>
   <dgm:cxnLst>
+    <dgm:cxn modelId="{A9AB7AB7-FA06-434A-ABD6-9F1F22BA1BFD}" type="presOf" srcId="{C0F21927-518A-4086-9175-73050EB277C8}" destId="{CB5716B2-871C-494E-949E-0E738634B4E2}" srcOrd="0" destOrd="0" presId="urn:microsoft.com/office/officeart/2005/8/layout/hList3"/>
+    <dgm:cxn modelId="{D5E7B9A3-3244-40D5-A841-A02E1CD121CB}" srcId="{C479ED2C-B91E-4815-9F48-5E6AE7D2FACB}" destId="{6DD44939-5A97-4391-8EA0-0691B8166634}" srcOrd="1" destOrd="0" parTransId="{9F613478-BC38-4049-AA80-3DD6FD4F226E}" sibTransId="{10C4D878-15AF-404F-A365-72C28E12B230}"/>
+    <dgm:cxn modelId="{4E314057-DEFE-4B60-A495-5F67390FB748}" srcId="{C0F21927-518A-4086-9175-73050EB277C8}" destId="{87956348-274B-4833-8112-38A1D0D31B27}" srcOrd="3" destOrd="0" parTransId="{52C0DB4F-9FD9-4C67-B113-A262A8F98047}" sibTransId="{A2EB4F59-A560-4790-8B2E-36BF41C61090}"/>
+    <dgm:cxn modelId="{EFA14DE2-5651-4679-BF08-AF13456A3FF8}" srcId="{C0F21927-518A-4086-9175-73050EB277C8}" destId="{7790398A-CB0E-4C10-8392-93D2909EBD96}" srcOrd="1" destOrd="0" parTransId="{991D1F7D-D0B5-4D18-9997-1D9B95A6903D}" sibTransId="{BBF08175-AC4E-412F-928A-12BB30912C64}"/>
+    <dgm:cxn modelId="{2B4E0EF0-D8CE-4ED0-BC30-967FC3BADAEA}" srcId="{C479ED2C-B91E-4815-9F48-5E6AE7D2FACB}" destId="{ED896E93-5140-4ED2-A12B-82C924CE9A03}" srcOrd="2" destOrd="0" parTransId="{FED47296-7B08-4F57-AA5B-7FC4E5535E9C}" sibTransId="{C7E1D8F2-1917-4A11-9601-E3F6562C76EE}"/>
+    <dgm:cxn modelId="{0ABEC7C8-6D44-4C6E-BB70-0B4ED6963821}" type="presOf" srcId="{C479ED2C-B91E-4815-9F48-5E6AE7D2FACB}" destId="{A3C02618-A356-454C-963B-DA65CD93FE16}" srcOrd="0" destOrd="0" presId="urn:microsoft.com/office/officeart/2005/8/layout/hList3"/>
+    <dgm:cxn modelId="{B8ABC7A3-CA92-4949-974B-B4D43AD739B9}" srcId="{C479ED2C-B91E-4815-9F48-5E6AE7D2FACB}" destId="{EFF79703-EF3D-4BA3-AF5B-34DAE483C100}" srcOrd="3" destOrd="0" parTransId="{DE7ED1BD-EB8E-4E52-B6A3-DC43AC0EC1E5}" sibTransId="{8D15BE2A-6219-4CB7-98C8-D2DB87D1F7CD}"/>
+    <dgm:cxn modelId="{E317C7C9-9F55-4C5C-91C6-02FBB3E10383}" srcId="{C0F21927-518A-4086-9175-73050EB277C8}" destId="{C479ED2C-B91E-4815-9F48-5E6AE7D2FACB}" srcOrd="0" destOrd="0" parTransId="{103CA8B3-4F3C-4C08-83FE-56956057E0A2}" sibTransId="{AD8FFBA3-4D11-4D65-A066-927B9C05CAB0}"/>
+    <dgm:cxn modelId="{611410B9-2750-457F-9087-D76A2FD98B7D}" srcId="{C479ED2C-B91E-4815-9F48-5E6AE7D2FACB}" destId="{1059AD2A-A92B-4A82-B2A4-50EEB5D89CA0}" srcOrd="0" destOrd="0" parTransId="{12BF1236-4F01-4E38-89AA-9DAD55BAAEBB}" sibTransId="{F26C68C5-E433-4634-94C4-75B8688964E7}"/>
     <dgm:cxn modelId="{3126EC58-0D91-4D84-A3CD-ACCB2D6E033F}" type="presOf" srcId="{1059AD2A-A92B-4A82-B2A4-50EEB5D89CA0}" destId="{10DAD0EF-159F-42AA-843B-9D06A6E8ACAF}" srcOrd="0" destOrd="0" presId="urn:microsoft.com/office/officeart/2005/8/layout/hList3"/>
-    <dgm:cxn modelId="{E317C7C9-9F55-4C5C-91C6-02FBB3E10383}" srcId="{C0F21927-518A-4086-9175-73050EB277C8}" destId="{C479ED2C-B91E-4815-9F48-5E6AE7D2FACB}" srcOrd="0" destOrd="0" parTransId="{103CA8B3-4F3C-4C08-83FE-56956057E0A2}" sibTransId="{AD8FFBA3-4D11-4D65-A066-927B9C05CAB0}"/>
-    <dgm:cxn modelId="{A9AB7AB7-FA06-434A-ABD6-9F1F22BA1BFD}" type="presOf" srcId="{C0F21927-518A-4086-9175-73050EB277C8}" destId="{CB5716B2-871C-494E-949E-0E738634B4E2}" srcOrd="0" destOrd="0" presId="urn:microsoft.com/office/officeart/2005/8/layout/hList3"/>
-    <dgm:cxn modelId="{2332B7DF-7D50-435E-9748-1D6529A14088}" srcId="{C0F21927-518A-4086-9175-73050EB277C8}" destId="{E4F52D72-B8C0-4473-B07E-748E171E3A71}" srcOrd="2" destOrd="0" parTransId="{A4570FD8-7B66-4BDE-BC93-436EF83D35E7}" sibTransId="{CE8C2E77-3B22-4368-BAC9-D12E207C09D1}"/>
-    <dgm:cxn modelId="{2B4E0EF0-D8CE-4ED0-BC30-967FC3BADAEA}" srcId="{C479ED2C-B91E-4815-9F48-5E6AE7D2FACB}" destId="{ED896E93-5140-4ED2-A12B-82C924CE9A03}" srcOrd="2" destOrd="0" parTransId="{FED47296-7B08-4F57-AA5B-7FC4E5535E9C}" sibTransId="{C7E1D8F2-1917-4A11-9601-E3F6562C76EE}"/>
+    <dgm:cxn modelId="{959F98C7-2A4E-4AF8-86B0-213F62D6F123}" type="presOf" srcId="{6DD44939-5A97-4391-8EA0-0691B8166634}" destId="{E800B9B0-8C2B-4A3B-B7E9-EF54422A6596}" srcOrd="0" destOrd="0" presId="urn:microsoft.com/office/officeart/2005/8/layout/hList3"/>
+    <dgm:cxn modelId="{8D50A4DB-D99E-4BC9-AE65-64BD506ABB42}" type="presOf" srcId="{ED896E93-5140-4ED2-A12B-82C924CE9A03}" destId="{ECFB5ABC-657E-4FE6-8C26-D550F88A34D0}" srcOrd="0" destOrd="0" presId="urn:microsoft.com/office/officeart/2005/8/layout/hList3"/>
     <dgm:cxn modelId="{401279F1-05D0-465B-BDB7-0E09638DA7E3}" srcId="{C0F21927-518A-4086-9175-73050EB277C8}" destId="{334CE0F7-F596-4160-8B62-B61AFB53176E}" srcOrd="4" destOrd="0" parTransId="{27FA91F3-DCB7-41D6-AFDA-73F3B6632271}" sibTransId="{A8FDE59D-685E-4773-B672-2E07E00BFE6C}"/>
     <dgm:cxn modelId="{FCA02DD2-1869-407D-9941-3F87AF97AB48}" type="presOf" srcId="{EFF79703-EF3D-4BA3-AF5B-34DAE483C100}" destId="{D5A4B8BF-687B-46D5-81EB-CECED95F511F}" srcOrd="0" destOrd="0" presId="urn:microsoft.com/office/officeart/2005/8/layout/hList3"/>
-    <dgm:cxn modelId="{EFA14DE2-5651-4679-BF08-AF13456A3FF8}" srcId="{C0F21927-518A-4086-9175-73050EB277C8}" destId="{7790398A-CB0E-4C10-8392-93D2909EBD96}" srcOrd="1" destOrd="0" parTransId="{991D1F7D-D0B5-4D18-9997-1D9B95A6903D}" sibTransId="{BBF08175-AC4E-412F-928A-12BB30912C64}"/>
-    <dgm:cxn modelId="{959F98C7-2A4E-4AF8-86B0-213F62D6F123}" type="presOf" srcId="{6DD44939-5A97-4391-8EA0-0691B8166634}" destId="{E800B9B0-8C2B-4A3B-B7E9-EF54422A6596}" srcOrd="0" destOrd="0" presId="urn:microsoft.com/office/officeart/2005/8/layout/hList3"/>
-    <dgm:cxn modelId="{D5E7B9A3-3244-40D5-A841-A02E1CD121CB}" srcId="{C479ED2C-B91E-4815-9F48-5E6AE7D2FACB}" destId="{6DD44939-5A97-4391-8EA0-0691B8166634}" srcOrd="1" destOrd="0" parTransId="{9F613478-BC38-4049-AA80-3DD6FD4F226E}" sibTransId="{10C4D878-15AF-404F-A365-72C28E12B230}"/>
-    <dgm:cxn modelId="{0ABEC7C8-6D44-4C6E-BB70-0B4ED6963821}" type="presOf" srcId="{C479ED2C-B91E-4815-9F48-5E6AE7D2FACB}" destId="{A3C02618-A356-454C-963B-DA65CD93FE16}" srcOrd="0" destOrd="0" presId="urn:microsoft.com/office/officeart/2005/8/layout/hList3"/>
-    <dgm:cxn modelId="{8D50A4DB-D99E-4BC9-AE65-64BD506ABB42}" type="presOf" srcId="{ED896E93-5140-4ED2-A12B-82C924CE9A03}" destId="{ECFB5ABC-657E-4FE6-8C26-D550F88A34D0}" srcOrd="0" destOrd="0" presId="urn:microsoft.com/office/officeart/2005/8/layout/hList3"/>
-    <dgm:cxn modelId="{611410B9-2750-457F-9087-D76A2FD98B7D}" srcId="{C479ED2C-B91E-4815-9F48-5E6AE7D2FACB}" destId="{1059AD2A-A92B-4A82-B2A4-50EEB5D89CA0}" srcOrd="0" destOrd="0" parTransId="{12BF1236-4F01-4E38-89AA-9DAD55BAAEBB}" sibTransId="{F26C68C5-E433-4634-94C4-75B8688964E7}"/>
-    <dgm:cxn modelId="{4E314057-DEFE-4B60-A495-5F67390FB748}" srcId="{C0F21927-518A-4086-9175-73050EB277C8}" destId="{87956348-274B-4833-8112-38A1D0D31B27}" srcOrd="3" destOrd="0" parTransId="{52C0DB4F-9FD9-4C67-B113-A262A8F98047}" sibTransId="{A2EB4F59-A560-4790-8B2E-36BF41C61090}"/>
-    <dgm:cxn modelId="{B8ABC7A3-CA92-4949-974B-B4D43AD739B9}" srcId="{C479ED2C-B91E-4815-9F48-5E6AE7D2FACB}" destId="{EFF79703-EF3D-4BA3-AF5B-34DAE483C100}" srcOrd="3" destOrd="0" parTransId="{DE7ED1BD-EB8E-4E52-B6A3-DC43AC0EC1E5}" sibTransId="{8D15BE2A-6219-4CB7-98C8-D2DB87D1F7CD}"/>
+    <dgm:cxn modelId="{2332B7DF-7D50-435E-9748-1D6529A14088}" srcId="{C0F21927-518A-4086-9175-73050EB277C8}" destId="{E4F52D72-B8C0-4473-B07E-748E171E3A71}" srcOrd="2" destOrd="0" parTransId="{A4570FD8-7B66-4BDE-BC93-436EF83D35E7}" sibTransId="{CE8C2E77-3B22-4368-BAC9-D12E207C09D1}"/>
     <dgm:cxn modelId="{F8E6B2B6-37F7-42D3-8FAB-94D8896A0F11}" type="presParOf" srcId="{CB5716B2-871C-494E-949E-0E738634B4E2}" destId="{A3C02618-A356-454C-963B-DA65CD93FE16}" srcOrd="0" destOrd="0" presId="urn:microsoft.com/office/officeart/2005/8/layout/hList3"/>
     <dgm:cxn modelId="{CEE0D4C1-E6FB-4A5F-8C35-F9F5A0D3B458}" type="presParOf" srcId="{CB5716B2-871C-494E-949E-0E738634B4E2}" destId="{B7F2CD7C-2617-4D29-8E11-4BC75A821867}" srcOrd="1" destOrd="0" presId="urn:microsoft.com/office/officeart/2005/8/layout/hList3"/>
     <dgm:cxn modelId="{D434833A-CC7B-4445-8F1E-321940AA1272}" type="presParOf" srcId="{B7F2CD7C-2617-4D29-8E11-4BC75A821867}" destId="{10DAD0EF-159F-42AA-843B-9D06A6E8ACAF}" srcOrd="0" destOrd="0" presId="urn:microsoft.com/office/officeart/2005/8/layout/hList3"/>
@@ -1362,7 +1520,630 @@
   </dgm:cxnLst>
   <dgm:bg/>
   <dgm:whole/>
+  <dgm:extLst>
+    <a:ext uri="http://schemas.microsoft.com/office/drawing/2008/diagram">
+      <dsp:dataModelExt xmlns:dsp="http://schemas.microsoft.com/office/drawing/2008/diagram" relId="rId7" minVer="http://schemas.openxmlformats.org/drawingml/2006/diagram"/>
+    </a:ext>
+  </dgm:extLst>
 </dgm:dataModel>
+</file>
+
+<file path=ppt/diagrams/drawing1.xml><?xml version="1.0" encoding="utf-8"?>
+<dsp:drawing xmlns:dgm="http://schemas.openxmlformats.org/drawingml/2006/diagram" xmlns:dsp="http://schemas.microsoft.com/office/drawing/2008/diagram" xmlns:a="http://schemas.openxmlformats.org/drawingml/2006/main">
+  <dsp:spTree>
+    <dsp:nvGrpSpPr>
+      <dsp:cNvPr id="0" name=""/>
+      <dsp:cNvGrpSpPr/>
+    </dsp:nvGrpSpPr>
+    <dsp:grpSpPr/>
+    <dsp:sp modelId="{A3C02618-A356-454C-963B-DA65CD93FE16}">
+      <dsp:nvSpPr>
+        <dsp:cNvPr id="0" name=""/>
+        <dsp:cNvSpPr/>
+      </dsp:nvSpPr>
+      <dsp:spPr>
+        <a:xfrm>
+          <a:off x="0" y="0"/>
+          <a:ext cx="8258204" cy="1620721"/>
+        </a:xfrm>
+        <a:prstGeom prst="rect">
+          <a:avLst/>
+        </a:prstGeom>
+        <a:solidFill>
+          <a:srgbClr val="00549A"/>
+        </a:solidFill>
+        <a:ln>
+          <a:solidFill>
+            <a:schemeClr val="accent1">
+              <a:lumMod val="60000"/>
+              <a:lumOff val="40000"/>
+            </a:schemeClr>
+          </a:solidFill>
+        </a:ln>
+        <a:effectLst>
+          <a:outerShdw blurRad="50800" dist="20000" dir="5400000" rotWithShape="0">
+            <a:srgbClr val="000000">
+              <a:alpha val="42000"/>
+            </a:srgbClr>
+          </a:outerShdw>
+        </a:effectLst>
+        <a:scene3d>
+          <a:camera prst="orthographicFront">
+            <a:rot lat="0" lon="0" rev="0"/>
+          </a:camera>
+          <a:lightRig rig="balanced" dir="t">
+            <a:rot lat="0" lon="0" rev="0"/>
+          </a:lightRig>
+        </a:scene3d>
+        <a:sp3d>
+          <a:bevelT w="47625" h="69850"/>
+          <a:contourClr>
+            <a:schemeClr val="lt1"/>
+          </a:contourClr>
+        </a:sp3d>
+      </dsp:spPr>
+      <dsp:style>
+        <a:lnRef idx="0">
+          <a:scrgbClr r="0" g="0" b="0"/>
+        </a:lnRef>
+        <a:fillRef idx="1">
+          <a:scrgbClr r="0" g="0" b="0"/>
+        </a:fillRef>
+        <a:effectRef idx="3">
+          <a:scrgbClr r="0" g="0" b="0"/>
+        </a:effectRef>
+        <a:fontRef idx="minor"/>
+      </dsp:style>
+      <dsp:txBody>
+        <a:bodyPr spcFirstLastPara="0" vert="horz" wrap="square" lIns="137160" tIns="137160" rIns="137160" bIns="137160" numCol="1" spcCol="1270" anchor="ctr" anchorCtr="0">
+          <a:noAutofit/>
+        </a:bodyPr>
+        <a:lstStyle/>
+        <a:p>
+          <a:pPr lvl="0" algn="ctr" defTabSz="1600200" rtl="0">
+            <a:lnSpc>
+              <a:spcPct val="90000"/>
+            </a:lnSpc>
+            <a:spcBef>
+              <a:spcPct val="0"/>
+            </a:spcBef>
+            <a:spcAft>
+              <a:spcPct val="35000"/>
+            </a:spcAft>
+          </a:pPr>
+          <a:r>
+            <a:rPr lang="ru-RU" sz="3600" kern="1200" dirty="0" smtClean="0">
+              <a:effectLst>
+                <a:outerShdw blurRad="38100" dist="38100" dir="2700000" algn="tl">
+                  <a:srgbClr val="000000">
+                    <a:alpha val="43137"/>
+                  </a:srgbClr>
+                </a:outerShdw>
+              </a:effectLst>
+            </a:rPr>
+            <a:t>Основные преимущества для клиентов и компании</a:t>
+          </a:r>
+          <a:endParaRPr lang="ru-RU" sz="3600" kern="1200" dirty="0">
+            <a:effectLst>
+              <a:outerShdw blurRad="38100" dist="38100" dir="2700000" algn="tl">
+                <a:srgbClr val="000000">
+                  <a:alpha val="43137"/>
+                </a:srgbClr>
+              </a:outerShdw>
+            </a:effectLst>
+          </a:endParaRPr>
+        </a:p>
+      </dsp:txBody>
+      <dsp:txXfrm>
+        <a:off x="0" y="0"/>
+        <a:ext cx="8258204" cy="1620721"/>
+      </dsp:txXfrm>
+    </dsp:sp>
+    <dsp:sp modelId="{10DAD0EF-159F-42AA-843B-9D06A6E8ACAF}">
+      <dsp:nvSpPr>
+        <dsp:cNvPr id="0" name=""/>
+        <dsp:cNvSpPr/>
+      </dsp:nvSpPr>
+      <dsp:spPr>
+        <a:xfrm>
+          <a:off x="0" y="1620721"/>
+          <a:ext cx="2064550" cy="3403515"/>
+        </a:xfrm>
+        <a:prstGeom prst="rect">
+          <a:avLst/>
+        </a:prstGeom>
+        <a:solidFill>
+          <a:srgbClr val="00549A"/>
+        </a:solidFill>
+        <a:ln>
+          <a:solidFill>
+            <a:schemeClr val="accent1">
+              <a:lumMod val="60000"/>
+              <a:lumOff val="40000"/>
+            </a:schemeClr>
+          </a:solidFill>
+        </a:ln>
+        <a:effectLst>
+          <a:outerShdw blurRad="50800" dist="20000" dir="5400000" rotWithShape="0">
+            <a:srgbClr val="000000">
+              <a:alpha val="42000"/>
+            </a:srgbClr>
+          </a:outerShdw>
+        </a:effectLst>
+        <a:scene3d>
+          <a:camera prst="orthographicFront">
+            <a:rot lat="0" lon="0" rev="0"/>
+          </a:camera>
+          <a:lightRig rig="balanced" dir="t">
+            <a:rot lat="0" lon="0" rev="0"/>
+          </a:lightRig>
+        </a:scene3d>
+        <a:sp3d>
+          <a:bevelT w="47625" h="69850"/>
+          <a:contourClr>
+            <a:schemeClr val="lt1"/>
+          </a:contourClr>
+        </a:sp3d>
+      </dsp:spPr>
+      <dsp:style>
+        <a:lnRef idx="0">
+          <a:scrgbClr r="0" g="0" b="0"/>
+        </a:lnRef>
+        <a:fillRef idx="3">
+          <a:scrgbClr r="0" g="0" b="0"/>
+        </a:fillRef>
+        <a:effectRef idx="3">
+          <a:scrgbClr r="0" g="0" b="0"/>
+        </a:effectRef>
+        <a:fontRef idx="minor">
+          <a:schemeClr val="lt1"/>
+        </a:fontRef>
+      </dsp:style>
+      <dsp:txBody>
+        <a:bodyPr spcFirstLastPara="0" vert="horz" wrap="square" lIns="60960" tIns="60960" rIns="60960" bIns="60960" numCol="1" spcCol="1270" anchor="ctr" anchorCtr="0">
+          <a:noAutofit/>
+        </a:bodyPr>
+        <a:lstStyle/>
+        <a:p>
+          <a:pPr lvl="0" algn="ctr" defTabSz="711200" rtl="0">
+            <a:lnSpc>
+              <a:spcPct val="90000"/>
+            </a:lnSpc>
+            <a:spcBef>
+              <a:spcPct val="0"/>
+            </a:spcBef>
+            <a:spcAft>
+              <a:spcPct val="35000"/>
+            </a:spcAft>
+          </a:pPr>
+          <a:r>
+            <a:rPr lang="ru-RU" sz="1600" kern="1200" dirty="0" smtClean="0">
+              <a:effectLst>
+                <a:outerShdw blurRad="38100" dist="38100" dir="2700000" algn="tl">
+                  <a:srgbClr val="000000">
+                    <a:alpha val="43137"/>
+                  </a:srgbClr>
+                </a:outerShdw>
+              </a:effectLst>
+            </a:rPr>
+            <a:t>Отслеживание статуса складской обработки заявки в режиме реального времени в едином источнике для клиентов и торговых представителей.</a:t>
+          </a:r>
+          <a:endParaRPr lang="ru-RU" sz="1600" kern="1200" dirty="0">
+            <a:effectLst>
+              <a:outerShdw blurRad="38100" dist="38100" dir="2700000" algn="tl">
+                <a:srgbClr val="000000">
+                  <a:alpha val="43137"/>
+                </a:srgbClr>
+              </a:outerShdw>
+            </a:effectLst>
+          </a:endParaRPr>
+        </a:p>
+      </dsp:txBody>
+      <dsp:txXfrm>
+        <a:off x="0" y="1620721"/>
+        <a:ext cx="2064550" cy="3403515"/>
+      </dsp:txXfrm>
+    </dsp:sp>
+    <dsp:sp modelId="{E800B9B0-8C2B-4A3B-B7E9-EF54422A6596}">
+      <dsp:nvSpPr>
+        <dsp:cNvPr id="0" name=""/>
+        <dsp:cNvSpPr/>
+      </dsp:nvSpPr>
+      <dsp:spPr>
+        <a:xfrm>
+          <a:off x="2064551" y="1620721"/>
+          <a:ext cx="2064550" cy="3403515"/>
+        </a:xfrm>
+        <a:prstGeom prst="rect">
+          <a:avLst/>
+        </a:prstGeom>
+        <a:solidFill>
+          <a:srgbClr val="00549A"/>
+        </a:solidFill>
+        <a:ln>
+          <a:solidFill>
+            <a:schemeClr val="accent1">
+              <a:lumMod val="60000"/>
+              <a:lumOff val="40000"/>
+            </a:schemeClr>
+          </a:solidFill>
+        </a:ln>
+        <a:effectLst>
+          <a:outerShdw blurRad="50800" dist="20000" dir="5400000" rotWithShape="0">
+            <a:srgbClr val="000000">
+              <a:alpha val="42000"/>
+            </a:srgbClr>
+          </a:outerShdw>
+        </a:effectLst>
+        <a:scene3d>
+          <a:camera prst="orthographicFront">
+            <a:rot lat="0" lon="0" rev="0"/>
+          </a:camera>
+          <a:lightRig rig="balanced" dir="t">
+            <a:rot lat="0" lon="0" rev="0"/>
+          </a:lightRig>
+        </a:scene3d>
+        <a:sp3d>
+          <a:bevelT w="47625" h="69850"/>
+          <a:contourClr>
+            <a:schemeClr val="lt1"/>
+          </a:contourClr>
+        </a:sp3d>
+      </dsp:spPr>
+      <dsp:style>
+        <a:lnRef idx="0">
+          <a:scrgbClr r="0" g="0" b="0"/>
+        </a:lnRef>
+        <a:fillRef idx="3">
+          <a:scrgbClr r="0" g="0" b="0"/>
+        </a:fillRef>
+        <a:effectRef idx="3">
+          <a:scrgbClr r="0" g="0" b="0"/>
+        </a:effectRef>
+        <a:fontRef idx="minor">
+          <a:schemeClr val="lt1"/>
+        </a:fontRef>
+      </dsp:style>
+      <dsp:txBody>
+        <a:bodyPr spcFirstLastPara="0" vert="horz" wrap="square" lIns="60960" tIns="60960" rIns="60960" bIns="60960" numCol="1" spcCol="1270" anchor="ctr" anchorCtr="0">
+          <a:noAutofit/>
+        </a:bodyPr>
+        <a:lstStyle/>
+        <a:p>
+          <a:pPr lvl="0" algn="ctr" defTabSz="711200" rtl="0">
+            <a:lnSpc>
+              <a:spcPct val="90000"/>
+            </a:lnSpc>
+            <a:spcBef>
+              <a:spcPct val="0"/>
+            </a:spcBef>
+            <a:spcAft>
+              <a:spcPct val="35000"/>
+            </a:spcAft>
+          </a:pPr>
+          <a:r>
+            <a:rPr lang="ru-RU" sz="1600" kern="1200" dirty="0" smtClean="0">
+              <a:effectLst>
+                <a:outerShdw blurRad="38100" dist="38100" dir="2700000" algn="tl">
+                  <a:srgbClr val="000000">
+                    <a:alpha val="43137"/>
+                  </a:srgbClr>
+                </a:outerShdw>
+              </a:effectLst>
+            </a:rPr>
+            <a:t>Контроль транспортировки. Информация о плановом и фактическом времени прохождения транспортных узлов, информация о задержках</a:t>
+          </a:r>
+          <a:r>
+            <a:rPr lang="en-US" sz="1600" kern="1200" dirty="0" smtClean="0">
+              <a:effectLst>
+                <a:outerShdw blurRad="38100" dist="38100" dir="2700000" algn="tl">
+                  <a:srgbClr val="000000">
+                    <a:alpha val="43137"/>
+                  </a:srgbClr>
+                </a:outerShdw>
+              </a:effectLst>
+            </a:rPr>
+            <a:t>/</a:t>
+          </a:r>
+          <a:r>
+            <a:rPr lang="ru-RU" sz="1600" kern="1200" dirty="0" smtClean="0">
+              <a:effectLst>
+                <a:outerShdw blurRad="38100" dist="38100" dir="2700000" algn="tl">
+                  <a:srgbClr val="000000">
+                    <a:alpha val="43137"/>
+                  </a:srgbClr>
+                </a:outerShdw>
+              </a:effectLst>
+            </a:rPr>
+            <a:t> расхождениях в транспортируемых накладных .</a:t>
+          </a:r>
+          <a:endParaRPr lang="ru-RU" sz="1600" kern="1200" dirty="0">
+            <a:effectLst>
+              <a:outerShdw blurRad="38100" dist="38100" dir="2700000" algn="tl">
+                <a:srgbClr val="000000">
+                  <a:alpha val="43137"/>
+                </a:srgbClr>
+              </a:outerShdw>
+            </a:effectLst>
+          </a:endParaRPr>
+        </a:p>
+      </dsp:txBody>
+      <dsp:txXfrm>
+        <a:off x="2064551" y="1620721"/>
+        <a:ext cx="2064550" cy="3403515"/>
+      </dsp:txXfrm>
+    </dsp:sp>
+    <dsp:sp modelId="{ECFB5ABC-657E-4FE6-8C26-D550F88A34D0}">
+      <dsp:nvSpPr>
+        <dsp:cNvPr id="0" name=""/>
+        <dsp:cNvSpPr/>
+      </dsp:nvSpPr>
+      <dsp:spPr>
+        <a:xfrm>
+          <a:off x="4129102" y="1620721"/>
+          <a:ext cx="2064550" cy="3403515"/>
+        </a:xfrm>
+        <a:prstGeom prst="rect">
+          <a:avLst/>
+        </a:prstGeom>
+        <a:solidFill>
+          <a:srgbClr val="00549A"/>
+        </a:solidFill>
+        <a:ln>
+          <a:solidFill>
+            <a:schemeClr val="accent1">
+              <a:lumMod val="60000"/>
+              <a:lumOff val="40000"/>
+            </a:schemeClr>
+          </a:solidFill>
+        </a:ln>
+        <a:effectLst>
+          <a:outerShdw blurRad="50800" dist="20000" dir="5400000" rotWithShape="0">
+            <a:srgbClr val="000000">
+              <a:alpha val="42000"/>
+            </a:srgbClr>
+          </a:outerShdw>
+        </a:effectLst>
+        <a:scene3d>
+          <a:camera prst="orthographicFront">
+            <a:rot lat="0" lon="0" rev="0"/>
+          </a:camera>
+          <a:lightRig rig="balanced" dir="t">
+            <a:rot lat="0" lon="0" rev="0"/>
+          </a:lightRig>
+        </a:scene3d>
+        <a:sp3d>
+          <a:bevelT w="47625" h="69850"/>
+          <a:contourClr>
+            <a:schemeClr val="lt1"/>
+          </a:contourClr>
+        </a:sp3d>
+      </dsp:spPr>
+      <dsp:style>
+        <a:lnRef idx="0">
+          <a:scrgbClr r="0" g="0" b="0"/>
+        </a:lnRef>
+        <a:fillRef idx="3">
+          <a:scrgbClr r="0" g="0" b="0"/>
+        </a:fillRef>
+        <a:effectRef idx="3">
+          <a:scrgbClr r="0" g="0" b="0"/>
+        </a:effectRef>
+        <a:fontRef idx="minor">
+          <a:schemeClr val="lt1"/>
+        </a:fontRef>
+      </dsp:style>
+      <dsp:txBody>
+        <a:bodyPr spcFirstLastPara="0" vert="horz" wrap="square" lIns="60960" tIns="60960" rIns="60960" bIns="60960" numCol="1" spcCol="1270" anchor="ctr" anchorCtr="0">
+          <a:noAutofit/>
+        </a:bodyPr>
+        <a:lstStyle/>
+        <a:p>
+          <a:pPr lvl="0" algn="ctr" defTabSz="711200" rtl="0">
+            <a:lnSpc>
+              <a:spcPct val="90000"/>
+            </a:lnSpc>
+            <a:spcBef>
+              <a:spcPct val="0"/>
+            </a:spcBef>
+            <a:spcAft>
+              <a:spcPct val="35000"/>
+            </a:spcAft>
+          </a:pPr>
+          <a:r>
+            <a:rPr lang="ru-RU" sz="1600" kern="1200" dirty="0" smtClean="0">
+              <a:effectLst>
+                <a:outerShdw blurRad="38100" dist="38100" dir="2700000" algn="tl">
+                  <a:srgbClr val="000000">
+                    <a:alpha val="43137"/>
+                  </a:srgbClr>
+                </a:outerShdw>
+              </a:effectLst>
+            </a:rPr>
+            <a:t>Анализ загруженности ТС по маршрутам , помощь в принятии решения о необходимости плановых и дополнительных рейсах</a:t>
+          </a:r>
+          <a:endParaRPr lang="ru-RU" sz="1600" kern="1200" dirty="0">
+            <a:effectLst>
+              <a:outerShdw blurRad="38100" dist="38100" dir="2700000" algn="tl">
+                <a:srgbClr val="000000">
+                  <a:alpha val="43137"/>
+                </a:srgbClr>
+              </a:outerShdw>
+            </a:effectLst>
+          </a:endParaRPr>
+        </a:p>
+      </dsp:txBody>
+      <dsp:txXfrm>
+        <a:off x="4129102" y="1620721"/>
+        <a:ext cx="2064550" cy="3403515"/>
+      </dsp:txXfrm>
+    </dsp:sp>
+    <dsp:sp modelId="{D5A4B8BF-687B-46D5-81EB-CECED95F511F}">
+      <dsp:nvSpPr>
+        <dsp:cNvPr id="0" name=""/>
+        <dsp:cNvSpPr/>
+      </dsp:nvSpPr>
+      <dsp:spPr>
+        <a:xfrm>
+          <a:off x="6193652" y="1620721"/>
+          <a:ext cx="2064550" cy="3403515"/>
+        </a:xfrm>
+        <a:prstGeom prst="rect">
+          <a:avLst/>
+        </a:prstGeom>
+        <a:solidFill>
+          <a:srgbClr val="00549A"/>
+        </a:solidFill>
+        <a:ln>
+          <a:solidFill>
+            <a:schemeClr val="accent1">
+              <a:lumMod val="60000"/>
+              <a:lumOff val="40000"/>
+            </a:schemeClr>
+          </a:solidFill>
+        </a:ln>
+        <a:effectLst>
+          <a:outerShdw blurRad="50800" dist="20000" dir="5400000" rotWithShape="0">
+            <a:srgbClr val="000000">
+              <a:alpha val="42000"/>
+            </a:srgbClr>
+          </a:outerShdw>
+        </a:effectLst>
+        <a:scene3d>
+          <a:camera prst="orthographicFront">
+            <a:rot lat="0" lon="0" rev="0"/>
+          </a:camera>
+          <a:lightRig rig="balanced" dir="t">
+            <a:rot lat="0" lon="0" rev="0"/>
+          </a:lightRig>
+        </a:scene3d>
+        <a:sp3d>
+          <a:bevelT w="47625" h="69850"/>
+          <a:contourClr>
+            <a:schemeClr val="lt1"/>
+          </a:contourClr>
+        </a:sp3d>
+      </dsp:spPr>
+      <dsp:style>
+        <a:lnRef idx="0">
+          <a:scrgbClr r="0" g="0" b="0"/>
+        </a:lnRef>
+        <a:fillRef idx="3">
+          <a:scrgbClr r="0" g="0" b="0"/>
+        </a:fillRef>
+        <a:effectRef idx="3">
+          <a:scrgbClr r="0" g="0" b="0"/>
+        </a:effectRef>
+        <a:fontRef idx="minor">
+          <a:schemeClr val="lt1"/>
+        </a:fontRef>
+      </dsp:style>
+      <dsp:txBody>
+        <a:bodyPr spcFirstLastPara="0" vert="horz" wrap="square" lIns="60960" tIns="60960" rIns="60960" bIns="60960" numCol="1" spcCol="1270" anchor="ctr" anchorCtr="0">
+          <a:noAutofit/>
+        </a:bodyPr>
+        <a:lstStyle/>
+        <a:p>
+          <a:pPr lvl="0" algn="ctr" defTabSz="711200" rtl="0">
+            <a:lnSpc>
+              <a:spcPct val="90000"/>
+            </a:lnSpc>
+            <a:spcBef>
+              <a:spcPct val="0"/>
+            </a:spcBef>
+            <a:spcAft>
+              <a:spcPct val="35000"/>
+            </a:spcAft>
+          </a:pPr>
+          <a:r>
+            <a:rPr lang="ru-RU" sz="1600" kern="1200" dirty="0" smtClean="0">
+              <a:effectLst>
+                <a:outerShdw blurRad="38100" dist="38100" dir="2700000" algn="tl">
+                  <a:srgbClr val="000000">
+                    <a:alpha val="43137"/>
+                  </a:srgbClr>
+                </a:outerShdw>
+              </a:effectLst>
+            </a:rPr>
+            <a:t>Контроль и данные для аналитики по соблюдению расписаний для корректировки маршрутов.</a:t>
+          </a:r>
+          <a:endParaRPr lang="ru-RU" sz="1600" kern="1200" dirty="0">
+            <a:effectLst>
+              <a:outerShdw blurRad="38100" dist="38100" dir="2700000" algn="tl">
+                <a:srgbClr val="000000">
+                  <a:alpha val="43137"/>
+                </a:srgbClr>
+              </a:outerShdw>
+            </a:effectLst>
+          </a:endParaRPr>
+        </a:p>
+      </dsp:txBody>
+      <dsp:txXfrm>
+        <a:off x="6193652" y="1620721"/>
+        <a:ext cx="2064550" cy="3403515"/>
+      </dsp:txXfrm>
+    </dsp:sp>
+    <dsp:sp modelId="{67E4BE28-6D5C-4D39-B3BC-4F4DBA6EB217}">
+      <dsp:nvSpPr>
+        <dsp:cNvPr id="0" name=""/>
+        <dsp:cNvSpPr/>
+      </dsp:nvSpPr>
+      <dsp:spPr>
+        <a:xfrm>
+          <a:off x="0" y="5024237"/>
+          <a:ext cx="8258204" cy="378168"/>
+        </a:xfrm>
+        <a:prstGeom prst="rect">
+          <a:avLst/>
+        </a:prstGeom>
+        <a:solidFill>
+          <a:srgbClr val="00549A"/>
+        </a:solidFill>
+        <a:ln>
+          <a:solidFill>
+            <a:schemeClr val="accent1">
+              <a:lumMod val="60000"/>
+              <a:lumOff val="40000"/>
+            </a:schemeClr>
+          </a:solidFill>
+        </a:ln>
+        <a:effectLst>
+          <a:outerShdw blurRad="50800" dist="20000" dir="5400000" rotWithShape="0">
+            <a:srgbClr val="000000">
+              <a:alpha val="42000"/>
+            </a:srgbClr>
+          </a:outerShdw>
+        </a:effectLst>
+        <a:scene3d>
+          <a:camera prst="orthographicFront">
+            <a:rot lat="0" lon="0" rev="0"/>
+          </a:camera>
+          <a:lightRig rig="balanced" dir="t">
+            <a:rot lat="0" lon="0" rev="0"/>
+          </a:lightRig>
+        </a:scene3d>
+        <a:sp3d>
+          <a:bevelT w="47625" h="69850"/>
+          <a:contourClr>
+            <a:schemeClr val="lt1"/>
+          </a:contourClr>
+        </a:sp3d>
+      </dsp:spPr>
+      <dsp:style>
+        <a:lnRef idx="0">
+          <a:scrgbClr r="0" g="0" b="0"/>
+        </a:lnRef>
+        <a:fillRef idx="1">
+          <a:scrgbClr r="0" g="0" b="0"/>
+        </a:fillRef>
+        <a:effectRef idx="3">
+          <a:scrgbClr r="0" g="0" b="0"/>
+        </a:effectRef>
+        <a:fontRef idx="minor"/>
+      </dsp:style>
+    </dsp:sp>
+  </dsp:spTree>
+</dsp:drawing>
 </file>
 
 <file path=ppt/diagrams/layout1.xml><?xml version="1.0" encoding="utf-8"?>
@@ -2674,7 +3455,7 @@
           <a:p>
             <a:fld id="{E7422BF2-52F6-4EEE-8F1B-C6CA8BD0E9DF}" type="datetimeFigureOut">
               <a:rPr lang="ru-RU" smtClean="0"/>
-              <a:t>13.10.2015</a:t>
+              <a:t>10.11.2015</a:t>
             </a:fld>
             <a:endParaRPr lang="ru-RU"/>
           </a:p>
@@ -2842,6 +3623,11 @@
         </p:txBody>
       </p:sp>
     </p:spTree>
+    <p:extLst>
+      <p:ext uri="{BB962C8B-B14F-4D97-AF65-F5344CB8AC3E}">
+        <p14:creationId xmlns:p14="http://schemas.microsoft.com/office/powerpoint/2010/main" val="719331724"/>
+      </p:ext>
+    </p:extLst>
   </p:cSld>
   <p:clrMap bg1="lt1" tx1="dk1" bg2="lt2" tx2="dk2" accent1="accent1" accent2="accent2" accent3="accent3" accent4="accent4" accent5="accent5" accent6="accent6" hlink="hlink" folHlink="folHlink"/>
   <p:notesStyle>
@@ -2939,6 +3725,90 @@
 </p:notesMaster>
 </file>
 
+<file path=ppt/notesSlides/notesSlide1.xml><?xml version="1.0" encoding="utf-8"?>
+<p:notes xmlns:a="http://schemas.openxmlformats.org/drawingml/2006/main" xmlns:r="http://schemas.openxmlformats.org/officeDocument/2006/relationships" xmlns:p="http://schemas.openxmlformats.org/presentationml/2006/main">
+  <p:cSld>
+    <p:spTree>
+      <p:nvGrpSpPr>
+        <p:cNvPr id="1" name=""/>
+        <p:cNvGrpSpPr/>
+        <p:nvPr/>
+      </p:nvGrpSpPr>
+      <p:grpSpPr>
+        <a:xfrm>
+          <a:off x="0" y="0"/>
+          <a:ext cx="0" cy="0"/>
+          <a:chOff x="0" y="0"/>
+          <a:chExt cx="0" cy="0"/>
+        </a:xfrm>
+      </p:grpSpPr>
+      <p:sp>
+        <p:nvSpPr>
+          <p:cNvPr id="2" name="Образ слайда 1"/>
+          <p:cNvSpPr>
+            <a:spLocks noGrp="1" noRot="1" noChangeAspect="1"/>
+          </p:cNvSpPr>
+          <p:nvPr>
+            <p:ph type="sldImg"/>
+          </p:nvPr>
+        </p:nvSpPr>
+        <p:spPr/>
+      </p:sp>
+      <p:sp>
+        <p:nvSpPr>
+          <p:cNvPr id="3" name="Заметки 2"/>
+          <p:cNvSpPr>
+            <a:spLocks noGrp="1"/>
+          </p:cNvSpPr>
+          <p:nvPr>
+            <p:ph type="body" idx="1"/>
+          </p:nvPr>
+        </p:nvSpPr>
+        <p:spPr/>
+        <p:txBody>
+          <a:bodyPr/>
+          <a:lstStyle/>
+          <a:p>
+            <a:endParaRPr lang="ru-RU" dirty="0"/>
+          </a:p>
+        </p:txBody>
+      </p:sp>
+      <p:sp>
+        <p:nvSpPr>
+          <p:cNvPr id="4" name="Номер слайда 3"/>
+          <p:cNvSpPr>
+            <a:spLocks noGrp="1"/>
+          </p:cNvSpPr>
+          <p:nvPr>
+            <p:ph type="sldNum" sz="quarter" idx="10"/>
+          </p:nvPr>
+        </p:nvSpPr>
+        <p:spPr/>
+        <p:txBody>
+          <a:bodyPr/>
+          <a:lstStyle/>
+          <a:p>
+            <a:fld id="{4AC96AFB-9D7D-4332-9221-316E1E38CF1D}" type="slidenum">
+              <a:rPr lang="ru-RU" smtClean="0"/>
+              <a:t>3</a:t>
+            </a:fld>
+            <a:endParaRPr lang="ru-RU"/>
+          </a:p>
+        </p:txBody>
+      </p:sp>
+    </p:spTree>
+    <p:extLst>
+      <p:ext uri="{BB962C8B-B14F-4D97-AF65-F5344CB8AC3E}">
+        <p14:creationId xmlns:p14="http://schemas.microsoft.com/office/powerpoint/2010/main" val="2722185901"/>
+      </p:ext>
+    </p:extLst>
+  </p:cSld>
+  <p:clrMapOvr>
+    <a:masterClrMapping/>
+  </p:clrMapOvr>
+</p:notes>
+</file>
+
 <file path=ppt/slideLayouts/slideLayout1.xml><?xml version="1.0" encoding="utf-8"?>
 <p:sldLayout xmlns:a="http://schemas.openxmlformats.org/drawingml/2006/main" xmlns:r="http://schemas.openxmlformats.org/officeDocument/2006/relationships" xmlns:p="http://schemas.openxmlformats.org/presentationml/2006/main" showMasterSp="0" type="title" preserve="1">
   <p:cSld name="Титульный слайд">
@@ -3076,7 +3946,7 @@
           <a:p>
             <a:fld id="{6A94C644-CB99-4813-97FF-E396B9492022}" type="datetimeFigureOut">
               <a:rPr lang="ru-RU" smtClean="0"/>
-              <a:t>13.10.2015</a:t>
+              <a:t>10.11.2015</a:t>
             </a:fld>
             <a:endParaRPr lang="ru-RU"/>
           </a:p>
@@ -3945,7 +4815,7 @@
           <a:p>
             <a:fld id="{6A94C644-CB99-4813-97FF-E396B9492022}" type="datetimeFigureOut">
               <a:rPr lang="ru-RU" smtClean="0"/>
-              <a:t>13.10.2015</a:t>
+              <a:t>10.11.2015</a:t>
             </a:fld>
             <a:endParaRPr lang="ru-RU"/>
           </a:p>
@@ -4120,7 +4990,7 @@
           <a:p>
             <a:fld id="{6A94C644-CB99-4813-97FF-E396B9492022}" type="datetimeFigureOut">
               <a:rPr lang="ru-RU" smtClean="0"/>
-              <a:t>13.10.2015</a:t>
+              <a:t>10.11.2015</a:t>
             </a:fld>
             <a:endParaRPr lang="ru-RU"/>
           </a:p>
@@ -4290,7 +5160,7 @@
           <a:p>
             <a:fld id="{6A94C644-CB99-4813-97FF-E396B9492022}" type="datetimeFigureOut">
               <a:rPr lang="ru-RU" smtClean="0"/>
-              <a:t>13.10.2015</a:t>
+              <a:t>10.11.2015</a:t>
             </a:fld>
             <a:endParaRPr lang="ru-RU"/>
           </a:p>
@@ -4500,7 +5370,7 @@
           <a:p>
             <a:fld id="{6A94C644-CB99-4813-97FF-E396B9492022}" type="datetimeFigureOut">
               <a:rPr lang="ru-RU" smtClean="0"/>
-              <a:t>13.10.2015</a:t>
+              <a:t>10.11.2015</a:t>
             </a:fld>
             <a:endParaRPr lang="ru-RU"/>
           </a:p>
@@ -5314,7 +6184,7 @@
           <a:p>
             <a:fld id="{6A94C644-CB99-4813-97FF-E396B9492022}" type="datetimeFigureOut">
               <a:rPr lang="ru-RU" smtClean="0"/>
-              <a:t>13.10.2015</a:t>
+              <a:t>10.11.2015</a:t>
             </a:fld>
             <a:endParaRPr lang="ru-RU"/>
           </a:p>
@@ -5550,7 +6420,7 @@
           <a:p>
             <a:fld id="{6A94C644-CB99-4813-97FF-E396B9492022}" type="datetimeFigureOut">
               <a:rPr lang="ru-RU" smtClean="0"/>
-              <a:t>13.10.2015</a:t>
+              <a:t>10.11.2015</a:t>
             </a:fld>
             <a:endParaRPr lang="ru-RU"/>
           </a:p>
@@ -5873,7 +6743,7 @@
           <a:p>
             <a:fld id="{6A94C644-CB99-4813-97FF-E396B9492022}" type="datetimeFigureOut">
               <a:rPr lang="ru-RU" smtClean="0"/>
-              <a:t>13.10.2015</a:t>
+              <a:t>10.11.2015</a:t>
             </a:fld>
             <a:endParaRPr lang="ru-RU"/>
           </a:p>
@@ -5963,7 +6833,7 @@
           <a:p>
             <a:fld id="{6A94C644-CB99-4813-97FF-E396B9492022}" type="datetimeFigureOut">
               <a:rPr lang="ru-RU" smtClean="0"/>
-              <a:t>13.10.2015</a:t>
+              <a:t>10.11.2015</a:t>
             </a:fld>
             <a:endParaRPr lang="ru-RU"/>
           </a:p>
@@ -6480,7 +7350,7 @@
           <a:p>
             <a:fld id="{6A94C644-CB99-4813-97FF-E396B9492022}" type="datetimeFigureOut">
               <a:rPr lang="ru-RU" smtClean="0"/>
-              <a:t>13.10.2015</a:t>
+              <a:t>10.11.2015</a:t>
             </a:fld>
             <a:endParaRPr lang="ru-RU"/>
           </a:p>
@@ -6991,7 +7861,7 @@
           <a:p>
             <a:fld id="{6A94C644-CB99-4813-97FF-E396B9492022}" type="datetimeFigureOut">
               <a:rPr lang="ru-RU" smtClean="0"/>
-              <a:t>13.10.2015</a:t>
+              <a:t>10.11.2015</a:t>
             </a:fld>
             <a:endParaRPr lang="ru-RU"/>
           </a:p>
@@ -7236,7 +8106,7 @@
           <a:p>
             <a:fld id="{6A94C644-CB99-4813-97FF-E396B9492022}" type="datetimeFigureOut">
               <a:rPr lang="ru-RU" smtClean="0"/>
-              <a:t>13.10.2015</a:t>
+              <a:t>10.11.2015</a:t>
             </a:fld>
             <a:endParaRPr lang="ru-RU"/>
           </a:p>
@@ -7906,7 +8776,7 @@
           <a:blip r:embed="rId2" cstate="print">
             <a:extLst>
               <a:ext uri="{28A0092B-C50C-407E-A947-70E740481C1C}">
-                <a14:useLocalDpi xmlns="" xmlns:wpc="http://schemas.microsoft.com/office/word/2010/wordprocessingCanvas" xmlns:cx="http://schemas.microsoft.com/office/drawing/2014/chartex" xmlns:mc="http://schemas.openxmlformats.org/markup-compatibility/2006" xmlns:o="urn:schemas-microsoft-com:office:office" xmlns:m="http://schemas.openxmlformats.org/officeDocument/2006/math" xmlns:v="urn:schemas-microsoft-com:vml" xmlns:wp14="http://schemas.microsoft.com/office/word/2010/wordprocessingDrawing" xmlns:wp="http://schemas.openxmlformats.org/drawingml/2006/wordprocessingDrawing" xmlns:w10="urn:schemas-microsoft-com:office:word" xmlns:w="http://schemas.openxmlformats.org/wordprocessingml/2006/main" xmlns:w14="http://schemas.microsoft.com/office/word/2010/wordml" xmlns:w15="http://schemas.microsoft.com/office/word/2012/wordml" xmlns:w16se="http://schemas.microsoft.com/office/word/2015/wordml/symex" xmlns:wpg="http://schemas.microsoft.com/office/word/2010/wordprocessingGroup" xmlns:wpi="http://schemas.microsoft.com/office/word/2010/wordprocessingInk" xmlns:wne="http://schemas.microsoft.com/office/word/2006/wordml" xmlns:wps="http://schemas.microsoft.com/office/word/2010/wordprocessingShape" xmlns:a14="http://schemas.microsoft.com/office/drawing/2010/main" xmlns:pic="http://schemas.openxmlformats.org/drawingml/2006/picture" xmlns:lc="http://schemas.openxmlformats.org/drawingml/2006/lockedCanvas" val="0"/>
+                <a14:useLocalDpi xmlns:a14="http://schemas.microsoft.com/office/drawing/2010/main" val="0"/>
               </a:ext>
             </a:extLst>
           </a:blip>
@@ -7949,11 +8819,7 @@
             <a:pPr algn="ctr"/>
             <a:r>
               <a:rPr lang="ru-RU" sz="3100" b="1" dirty="0" smtClean="0"/>
-              <a:t>Автоматизация бизнес-процессов повышает эффективность Вашего </a:t>
-            </a:r>
-            <a:r>
-              <a:rPr lang="ru-RU" sz="3100" b="1" dirty="0" smtClean="0"/>
-              <a:t>бизнеса</a:t>
+              <a:t>Автоматизация бизнес-процессов повышает эффективность Вашего бизнеса</a:t>
             </a:r>
             <a:r>
               <a:rPr lang="ru-RU" dirty="0" smtClean="0"/>
@@ -7993,55 +8859,31 @@
           <a:p>
             <a:r>
               <a:rPr lang="ru-RU" dirty="0" smtClean="0"/>
-              <a:t>Полная </a:t>
+              <a:t>Полная прозрачность для всех участников процесса</a:t>
             </a:r>
+          </a:p>
+          <a:p>
             <a:r>
               <a:rPr lang="ru-RU" dirty="0" smtClean="0"/>
-              <a:t>прозрачность для всех участников процесса</a:t>
+              <a:t>Автоматизированный контроль исполнения</a:t>
             </a:r>
           </a:p>
           <a:p>
             <a:r>
               <a:rPr lang="ru-RU" dirty="0" smtClean="0"/>
-              <a:t>Автоматизированный </a:t>
+              <a:t>Актуальная и точная информация в режиме реального времени</a:t>
             </a:r>
+          </a:p>
+          <a:p>
             <a:r>
               <a:rPr lang="ru-RU" dirty="0" smtClean="0"/>
-              <a:t>контроль исполнения</a:t>
+              <a:t>Эффективное взаимодействие с подрядчиками и заказчиками</a:t>
             </a:r>
           </a:p>
           <a:p>
             <a:r>
               <a:rPr lang="ru-RU" dirty="0" smtClean="0"/>
-              <a:t>Актуальная </a:t>
-            </a:r>
-            <a:r>
-              <a:rPr lang="ru-RU" dirty="0" smtClean="0"/>
-              <a:t>и точная информация в режиме реального </a:t>
-            </a:r>
-            <a:r>
-              <a:rPr lang="ru-RU" dirty="0" smtClean="0"/>
-              <a:t>времени</a:t>
-            </a:r>
-          </a:p>
-          <a:p>
-            <a:r>
-              <a:rPr lang="ru-RU" dirty="0" smtClean="0"/>
-              <a:t>Эффективное </a:t>
-            </a:r>
-            <a:r>
-              <a:rPr lang="ru-RU" dirty="0" smtClean="0"/>
-              <a:t>взаимодействие с подрядчиками и заказчиками</a:t>
-            </a:r>
-          </a:p>
-          <a:p>
-            <a:r>
-              <a:rPr lang="ru-RU" dirty="0" smtClean="0"/>
-              <a:t>Быстрый </a:t>
-            </a:r>
-            <a:r>
-              <a:rPr lang="ru-RU" dirty="0" smtClean="0"/>
-              <a:t>доступ к информации</a:t>
+              <a:t>Быстрый доступ к информации</a:t>
             </a:r>
           </a:p>
           <a:p>
@@ -8203,6 +9045,11 @@
           </p:cNvGraphicFramePr>
           <p:nvPr>
             <p:ph sz="quarter" idx="1"/>
+            <p:extLst>
+              <p:ext uri="{D42A27DB-BD31-4B8C-83A1-F6EECF244321}">
+                <p14:modId xmlns:p14="http://schemas.microsoft.com/office/powerpoint/2010/main" val="1518832231"/>
+              </p:ext>
+            </p:extLst>
           </p:nvPr>
         </p:nvGraphicFramePr>
         <p:xfrm>
@@ -8211,7 +9058,7 @@
         </p:xfrm>
         <a:graphic>
           <a:graphicData uri="http://schemas.openxmlformats.org/drawingml/2006/diagram">
-            <dgm:relIds xmlns:dgm="http://schemas.openxmlformats.org/drawingml/2006/diagram" xmlns:r="http://schemas.openxmlformats.org/officeDocument/2006/relationships" r:dm="rId2" r:lo="rId3" r:qs="rId4" r:cs="rId5"/>
+            <dgm:relIds xmlns:dgm="http://schemas.openxmlformats.org/drawingml/2006/diagram" xmlns:r="http://schemas.openxmlformats.org/officeDocument/2006/relationships" r:dm="rId3" r:lo="rId4" r:qs="rId5" r:cs="rId6"/>
           </a:graphicData>
         </a:graphic>
       </p:graphicFrame>
@@ -8799,18 +9646,7 @@
                   </a:schemeClr>
                 </a:solidFill>
               </a:rPr>
-              <a:t>Справочник пользователей</a:t>
-            </a:r>
-            <a:r>
-              <a:rPr lang="ru-RU" sz="2400" b="1" dirty="0" smtClean="0">
-                <a:solidFill>
-                  <a:schemeClr val="tx1">
-                    <a:lumMod val="75000"/>
-                    <a:lumOff val="25000"/>
-                  </a:schemeClr>
-                </a:solidFill>
-              </a:rPr>
-              <a:t> </a:t>
+              <a:t>Справочник пользователей </a:t>
             </a:r>
             <a:endParaRPr lang="ru-RU" sz="2400" b="1" dirty="0">
               <a:solidFill>
